--- a/algo4dfm/netflow+cvxopt.pptx
+++ b/algo4dfm/netflow+cvxopt.pptx
@@ -256,7 +256,7 @@
           <a:p>
             <a:fld id="{825BCAC7-B4D3-4F6F-A368-58E7796D2136}" type="datetimeFigureOut">
               <a:rPr lang="zh-CN" altLang="en-US" smtClean="0"/>
-              <a:t>2021/11/10</a:t>
+              <a:t>2022/11/8</a:t>
             </a:fld>
             <a:endParaRPr lang="zh-CN" altLang="en-US"/>
           </a:p>
@@ -3616,7 +3616,7 @@
           <a:p>
             <a:fld id="{975FF7BC-3025-40A7-80A8-E81A8AC6A07E}" type="datetimeFigureOut">
               <a:rPr lang="zh-CN" altLang="en-US" smtClean="0"/>
-              <a:t>2021/11/10</a:t>
+              <a:t>2022/11/8</a:t>
             </a:fld>
             <a:endParaRPr lang="zh-CN" altLang="en-US"/>
           </a:p>
@@ -3982,7 +3982,7 @@
           <a:p>
             <a:fld id="{975FF7BC-3025-40A7-80A8-E81A8AC6A07E}" type="datetimeFigureOut">
               <a:rPr lang="zh-CN" altLang="en-US" smtClean="0"/>
-              <a:t>2021/11/10</a:t>
+              <a:t>2022/11/8</a:t>
             </a:fld>
             <a:endParaRPr lang="zh-CN" altLang="en-US"/>
           </a:p>
@@ -4478,7 +4478,7 @@
           <a:p>
             <a:fld id="{975FF7BC-3025-40A7-80A8-E81A8AC6A07E}" type="datetimeFigureOut">
               <a:rPr lang="zh-CN" altLang="en-US" smtClean="0"/>
-              <a:t>2021/11/10</a:t>
+              <a:t>2022/11/8</a:t>
             </a:fld>
             <a:endParaRPr lang="zh-CN" altLang="en-US"/>
           </a:p>
@@ -4674,7 +4674,7 @@
           <a:p>
             <a:fld id="{975FF7BC-3025-40A7-80A8-E81A8AC6A07E}" type="datetimeFigureOut">
               <a:rPr lang="zh-CN" altLang="en-US" smtClean="0"/>
-              <a:t>2021/11/10</a:t>
+              <a:t>2022/11/8</a:t>
             </a:fld>
             <a:endParaRPr lang="zh-CN" altLang="en-US"/>
           </a:p>
@@ -4781,7 +4781,7 @@
           <a:p>
             <a:fld id="{975FF7BC-3025-40A7-80A8-E81A8AC6A07E}" type="datetimeFigureOut">
               <a:rPr lang="zh-CN" altLang="en-US" smtClean="0"/>
-              <a:t>2021/11/10</a:t>
+              <a:t>2022/11/8</a:t>
             </a:fld>
             <a:endParaRPr lang="zh-CN" altLang="en-US"/>
           </a:p>
@@ -5070,7 +5070,7 @@
           <a:p>
             <a:fld id="{975FF7BC-3025-40A7-80A8-E81A8AC6A07E}" type="datetimeFigureOut">
               <a:rPr lang="zh-CN" altLang="en-US" smtClean="0"/>
-              <a:t>2021/11/10</a:t>
+              <a:t>2022/11/8</a:t>
             </a:fld>
             <a:endParaRPr lang="zh-CN" altLang="en-US"/>
           </a:p>
@@ -5342,7 +5342,7 @@
           <a:p>
             <a:fld id="{975FF7BC-3025-40A7-80A8-E81A8AC6A07E}" type="datetimeFigureOut">
               <a:rPr lang="zh-CN" altLang="en-US" smtClean="0"/>
-              <a:t>2021/11/10</a:t>
+              <a:t>2022/11/8</a:t>
             </a:fld>
             <a:endParaRPr lang="zh-CN" altLang="en-US"/>
           </a:p>
@@ -5524,7 +5524,7 @@
           <a:p>
             <a:fld id="{975FF7BC-3025-40A7-80A8-E81A8AC6A07E}" type="datetimeFigureOut">
               <a:rPr lang="zh-CN" altLang="en-US" smtClean="0"/>
-              <a:t>2021/11/10</a:t>
+              <a:t>2022/11/8</a:t>
             </a:fld>
             <a:endParaRPr lang="zh-CN" altLang="en-US"/>
           </a:p>
@@ -5716,7 +5716,7 @@
           <a:p>
             <a:fld id="{975FF7BC-3025-40A7-80A8-E81A8AC6A07E}" type="datetimeFigureOut">
               <a:rPr lang="zh-CN" altLang="en-US" smtClean="0"/>
-              <a:t>2021/11/10</a:t>
+              <a:t>2022/11/8</a:t>
             </a:fld>
             <a:endParaRPr lang="zh-CN" altLang="en-US"/>
           </a:p>
@@ -5969,7 +5969,7 @@
           <a:p>
             <a:fld id="{975FF7BC-3025-40A7-80A8-E81A8AC6A07E}" type="datetimeFigureOut">
               <a:rPr lang="zh-CN" altLang="en-US" smtClean="0"/>
-              <a:t>2021/11/10</a:t>
+              <a:t>2022/11/8</a:t>
             </a:fld>
             <a:endParaRPr lang="zh-CN" altLang="en-US"/>
           </a:p>
@@ -6380,7 +6380,7 @@
           <a:p>
             <a:fld id="{975FF7BC-3025-40A7-80A8-E81A8AC6A07E}" type="datetimeFigureOut">
               <a:rPr lang="zh-CN" altLang="en-US" smtClean="0"/>
-              <a:t>2021/11/10</a:t>
+              <a:t>2022/11/8</a:t>
             </a:fld>
             <a:endParaRPr lang="zh-CN" altLang="en-US"/>
           </a:p>
@@ -6723,7 +6723,7 @@
           <a:p>
             <a:fld id="{975FF7BC-3025-40A7-80A8-E81A8AC6A07E}" type="datetimeFigureOut">
               <a:rPr lang="zh-CN" altLang="en-US" smtClean="0"/>
-              <a:t>2021/11/10</a:t>
+              <a:t>2022/11/8</a:t>
             </a:fld>
             <a:endParaRPr lang="zh-CN" altLang="en-US"/>
           </a:p>
@@ -7136,7 +7136,7 @@
           <a:p>
             <a:fld id="{975FF7BC-3025-40A7-80A8-E81A8AC6A07E}" type="datetimeFigureOut">
               <a:rPr lang="zh-CN" altLang="en-US" smtClean="0"/>
-              <a:t>2021/11/10</a:t>
+              <a:t>2022/11/8</a:t>
             </a:fld>
             <a:endParaRPr lang="zh-CN" altLang="en-US"/>
           </a:p>
@@ -7479,7 +7479,7 @@
           <a:p>
             <a:fld id="{975FF7BC-3025-40A7-80A8-E81A8AC6A07E}" type="datetimeFigureOut">
               <a:rPr lang="zh-CN" altLang="en-US" smtClean="0"/>
-              <a:t>2021/11/10</a:t>
+              <a:t>2022/11/8</a:t>
             </a:fld>
             <a:endParaRPr lang="zh-CN" altLang="en-US"/>
           </a:p>
@@ -7894,7 +7894,7 @@
           <a:p>
             <a:fld id="{975FF7BC-3025-40A7-80A8-E81A8AC6A07E}" type="datetimeFigureOut">
               <a:rPr lang="zh-CN" altLang="en-US" smtClean="0"/>
-              <a:t>2021/11/10</a:t>
+              <a:t>2022/11/8</a:t>
             </a:fld>
             <a:endParaRPr lang="zh-CN" altLang="en-US"/>
           </a:p>
@@ -8201,7 +8201,7 @@
           <a:p>
             <a:fld id="{975FF7BC-3025-40A7-80A8-E81A8AC6A07E}" type="datetimeFigureOut">
               <a:rPr lang="zh-CN" altLang="en-US" smtClean="0"/>
-              <a:t>2021/11/10</a:t>
+              <a:t>2022/11/8</a:t>
             </a:fld>
             <a:endParaRPr lang="zh-CN" altLang="en-US"/>
           </a:p>
@@ -8459,7 +8459,7 @@
           <a:p>
             <a:fld id="{975FF7BC-3025-40A7-80A8-E81A8AC6A07E}" type="datetimeFigureOut">
               <a:rPr lang="zh-CN" altLang="en-US" smtClean="0"/>
-              <a:t>2021/11/10</a:t>
+              <a:t>2022/11/8</a:t>
             </a:fld>
             <a:endParaRPr lang="zh-CN" altLang="en-US"/>
           </a:p>
@@ -8738,7 +8738,7 @@
           <a:p>
             <a:fld id="{975FF7BC-3025-40A7-80A8-E81A8AC6A07E}" type="datetimeFigureOut">
               <a:rPr lang="zh-CN" altLang="en-US" smtClean="0"/>
-              <a:t>2021/11/10</a:t>
+              <a:t>2022/11/8</a:t>
             </a:fld>
             <a:endParaRPr lang="zh-CN" altLang="en-US"/>
           </a:p>
@@ -9288,11 +9288,7 @@
           <a:p>
             <a:r>
               <a:rPr lang="en-US" altLang="zh-CN" dirty="0" smtClean="0"/>
-              <a:t>When “Network Flow” Meets “Convex Optimization</a:t>
-            </a:r>
-            <a:r>
-              <a:rPr lang="en-US" altLang="zh-CN" dirty="0" smtClean="0"/>
-              <a:t>”</a:t>
+              <a:t>When “Network Flow” Meets “Convex Optimization”</a:t>
             </a:r>
             <a:endParaRPr lang="zh-CN" altLang="en-US" dirty="0"/>
           </a:p>
@@ -9317,16 +9313,11 @@
               <a:rPr lang="en-US" altLang="zh-CN" dirty="0" smtClean="0"/>
               <a:t>@luk036</a:t>
             </a:r>
-            <a:endParaRPr lang="en-US" altLang="zh-CN" dirty="0" smtClean="0"/>
           </a:p>
           <a:p>
             <a:r>
               <a:rPr lang="en-US" altLang="zh-CN" dirty="0" smtClean="0"/>
-              <a:t>2021-11-10</a:t>
-            </a:r>
-            <a:r>
-              <a:rPr lang="en-US" altLang="zh-CN" dirty="0" smtClean="0"/>
-              <a:t> </a:t>
+              <a:t>2022-11-09 </a:t>
             </a:r>
             <a:endParaRPr lang="zh-CN" altLang="en-US" dirty="0"/>
           </a:p>
@@ -9846,8 +9837,8 @@
           </a:p>
         </p:txBody>
       </p:sp>
-      <mc:AlternateContent xmlns:mc="http://schemas.openxmlformats.org/markup-compatibility/2006">
-        <mc:Choice xmlns:a14="http://schemas.microsoft.com/office/drawing/2010/main" Requires="a14">
+      <mc:AlternateContent xmlns:mc="http://schemas.openxmlformats.org/markup-compatibility/2006" xmlns:a14="http://schemas.microsoft.com/office/drawing/2010/main">
+        <mc:Choice Requires="a14">
           <p:sp>
             <p:nvSpPr>
               <p:cNvPr id="3" name="内容占位符 2"/>
@@ -10711,7 +10702,7 @@
             </p:txBody>
           </p:sp>
         </mc:Choice>
-        <mc:Fallback>
+        <mc:Fallback xmlns="">
           <p:sp>
             <p:nvSpPr>
               <p:cNvPr id="3" name="内容占位符 2"/>
@@ -11753,8 +11744,8 @@
           </a:p>
         </p:txBody>
       </p:sp>
-      <mc:AlternateContent xmlns:mc="http://schemas.openxmlformats.org/markup-compatibility/2006">
-        <mc:Choice xmlns:a14="http://schemas.microsoft.com/office/drawing/2010/main" Requires="a14">
+      <mc:AlternateContent xmlns:mc="http://schemas.openxmlformats.org/markup-compatibility/2006" xmlns:a14="http://schemas.microsoft.com/office/drawing/2010/main">
+        <mc:Choice Requires="a14">
           <p:sp>
             <p:nvSpPr>
               <p:cNvPr id="3" name="内容占位符 2"/>
@@ -12166,7 +12157,7 @@
             </p:txBody>
           </p:sp>
         </mc:Choice>
-        <mc:Fallback>
+        <mc:Fallback xmlns="">
           <p:sp>
             <p:nvSpPr>
               <p:cNvPr id="3" name="内容占位符 2"/>
@@ -14884,16 +14875,11 @@
               <a:rPr lang="en-US" altLang="zh-CN" dirty="0" smtClean="0"/>
               <a:t>@luk036</a:t>
             </a:r>
-            <a:endParaRPr lang="en-US" altLang="zh-CN" dirty="0" smtClean="0"/>
           </a:p>
           <a:p>
             <a:r>
               <a:rPr lang="en-US" altLang="zh-CN" dirty="0" smtClean="0"/>
-              <a:t>2021-11-10</a:t>
-            </a:r>
-            <a:r>
-              <a:rPr lang="en-US" altLang="zh-CN" dirty="0" smtClean="0"/>
-              <a:t> </a:t>
+              <a:t>2022-11-09 </a:t>
             </a:r>
             <a:endParaRPr lang="zh-CN" altLang="en-US" dirty="0"/>
           </a:p>
@@ -16310,11 +16296,7 @@
           <a:p>
             <a:r>
               <a:rPr lang="en-US" altLang="zh-CN" dirty="0" smtClean="0"/>
-              <a:t>Augmented </a:t>
-            </a:r>
-            <a:r>
-              <a:rPr lang="en-US" altLang="zh-CN" dirty="0" smtClean="0"/>
-              <a:t>path based</a:t>
+              <a:t>Augmented path based</a:t>
             </a:r>
           </a:p>
           <a:p>
@@ -16332,58 +16314,14 @@
             <a:pPr lvl="1"/>
             <a:r>
               <a:rPr lang="en-US" altLang="zh-CN" dirty="0" smtClean="0"/>
-              <a:t>Inject minimal flow </a:t>
-            </a:r>
+              <a:t>Inject minimal flow into the augmented path while maintaining infeasibility in each iteration</a:t>
+            </a:r>
+          </a:p>
+          <a:p>
+            <a:pPr lvl="1"/>
             <a:r>
               <a:rPr lang="en-US" altLang="zh-CN" dirty="0" smtClean="0"/>
-              <a:t>into </a:t>
-            </a:r>
-            <a:r>
-              <a:rPr lang="en-US" altLang="zh-CN" dirty="0" smtClean="0"/>
-              <a:t>the </a:t>
-            </a:r>
-            <a:r>
-              <a:rPr lang="en-US" altLang="zh-CN" dirty="0" smtClean="0"/>
-              <a:t>augmented </a:t>
-            </a:r>
-            <a:r>
-              <a:rPr lang="en-US" altLang="zh-CN" dirty="0" smtClean="0"/>
-              <a:t>path while maintaining </a:t>
-            </a:r>
-            <a:r>
-              <a:rPr lang="en-US" altLang="zh-CN" dirty="0" smtClean="0"/>
-              <a:t>infeasibility in each </a:t>
-            </a:r>
-            <a:r>
-              <a:rPr lang="en-US" altLang="zh-CN" dirty="0" smtClean="0"/>
-              <a:t>iteration</a:t>
-            </a:r>
-          </a:p>
-          <a:p>
-            <a:pPr lvl="1"/>
-            <a:r>
-              <a:rPr lang="en-US" altLang="zh-CN" dirty="0" smtClean="0"/>
-              <a:t>Stop when </a:t>
-            </a:r>
-            <a:r>
-              <a:rPr lang="en-US" altLang="zh-CN" dirty="0" smtClean="0"/>
-              <a:t>there is no </a:t>
-            </a:r>
-            <a:r>
-              <a:rPr lang="en-US" altLang="zh-CN" dirty="0" smtClean="0"/>
-              <a:t>flow </a:t>
-            </a:r>
-            <a:r>
-              <a:rPr lang="en-US" altLang="zh-CN" dirty="0" smtClean="0"/>
-              <a:t>to</a:t>
-            </a:r>
-            <a:r>
-              <a:rPr lang="en-US" altLang="zh-CN" dirty="0" smtClean="0"/>
-              <a:t> inject into the </a:t>
-            </a:r>
-            <a:r>
-              <a:rPr lang="en-US" altLang="zh-CN" dirty="0" smtClean="0"/>
-              <a:t>path</a:t>
+              <a:t>Stop when there is no flow to inject into the path</a:t>
             </a:r>
           </a:p>
           <a:p>
@@ -16396,11 +16334,7 @@
             <a:pPr lvl="1"/>
             <a:r>
               <a:rPr lang="en-US" altLang="zh-CN" dirty="0" smtClean="0"/>
-              <a:t>Start from a feasible </a:t>
-            </a:r>
-            <a:r>
-              <a:rPr lang="en-US" altLang="zh-CN" dirty="0" smtClean="0"/>
-              <a:t>solution </a:t>
+              <a:t>Start from a feasible solution </a:t>
             </a:r>
             <a:r>
               <a:rPr lang="en-US" altLang="zh-CN" i="1" dirty="0">
@@ -16631,11 +16565,7 @@
             </a:r>
             <a:r>
               <a:rPr lang="en-US" altLang="zh-CN" dirty="0" smtClean="0"/>
-              <a:t>: a </a:t>
-            </a:r>
-            <a:r>
-              <a:rPr lang="en-US" altLang="zh-CN" dirty="0" smtClean="0"/>
-              <a:t>starting </a:t>
+              <a:t>: a starting </a:t>
             </a:r>
             <a:r>
               <a:rPr lang="en-US" altLang="zh-CN" i="1" dirty="0">
@@ -16869,19 +16799,7 @@
             </a:r>
             <a:r>
               <a:rPr lang="en-US" altLang="zh-CN" dirty="0" smtClean="0"/>
-              <a:t>a stopping </a:t>
-            </a:r>
-            <a:r>
-              <a:rPr lang="en-US" altLang="zh-CN" dirty="0" smtClean="0"/>
-              <a:t>criterion </a:t>
-            </a:r>
-            <a:r>
-              <a:rPr lang="en-US" altLang="zh-CN" dirty="0" smtClean="0"/>
-              <a:t>is satisfied</a:t>
-            </a:r>
-            <a:r>
-              <a:rPr lang="en-US" altLang="zh-CN" dirty="0" smtClean="0"/>
-              <a:t>;</a:t>
+              <a:t>a stopping criterion is satisfied;</a:t>
             </a:r>
             <a:endParaRPr lang="zh-CN" altLang="en-US" b="1" dirty="0"/>
           </a:p>
@@ -18867,33 +18785,15 @@
               <a:rPr lang="en-US" altLang="zh-CN" dirty="0" smtClean="0">
                 <a:sym typeface="Symbol"/>
               </a:rPr>
-              <a:t>An i</a:t>
-            </a:r>
+              <a:t>An initial feasible solution can be obtained by a similar construction of residual graph and cost vector.</a:t>
+            </a:r>
+          </a:p>
+          <a:p>
             <a:r>
               <a:rPr lang="en-US" altLang="zh-CN" dirty="0" smtClean="0">
                 <a:sym typeface="Symbol"/>
               </a:rPr>
-              <a:t>nitial </a:t>
-            </a:r>
-            <a:r>
-              <a:rPr lang="en-US" altLang="zh-CN" dirty="0" smtClean="0">
-                <a:sym typeface="Symbol"/>
-              </a:rPr>
-              <a:t>feasible solution can be obtained by a similar construction of residual graph and cost vector.</a:t>
-            </a:r>
-          </a:p>
-          <a:p>
-            <a:r>
-              <a:rPr lang="en-US" altLang="zh-CN" dirty="0" smtClean="0">
-                <a:sym typeface="Symbol"/>
-              </a:rPr>
-              <a:t>The LEMON </a:t>
-            </a:r>
-            <a:r>
-              <a:rPr lang="en-US" altLang="zh-CN" dirty="0" smtClean="0">
-                <a:sym typeface="Symbol"/>
-              </a:rPr>
-              <a:t>package implements this cycle cancelling algorithm.</a:t>
+              <a:t>The LEMON package implements this cycle cancelling algorithm.</a:t>
             </a:r>
           </a:p>
         </p:txBody>
@@ -20725,15 +20625,7 @@
           <a:p>
             <a:r>
               <a:rPr lang="en-US" altLang="zh-CN" dirty="0" smtClean="0"/>
-              <a:t>In</a:t>
-            </a:r>
-            <a:r>
-              <a:rPr lang="en-US" altLang="zh-CN" dirty="0" smtClean="0"/>
-              <a:t> </a:t>
-            </a:r>
-            <a:r>
-              <a:rPr lang="en-US" altLang="zh-CN" dirty="0" smtClean="0"/>
-              <a:t>each iteration</a:t>
+              <a:t>In each iteration</a:t>
             </a:r>
             <a:r>
               <a:rPr lang="en-US" altLang="zh-CN" dirty="0"/>
@@ -20765,11 +20657,7 @@
             </a:r>
             <a:r>
               <a:rPr lang="en-US" altLang="zh-CN" dirty="0" smtClean="0"/>
-              <a:t>as</a:t>
-            </a:r>
-            <a:r>
-              <a:rPr lang="en-US" altLang="zh-CN" dirty="0" smtClean="0"/>
-              <a:t> </a:t>
+              <a:t>as </a:t>
             </a:r>
             <a:r>
               <a:rPr lang="en-US" altLang="zh-CN" dirty="0"/>
@@ -20845,11 +20733,7 @@
             </a:r>
             <a:r>
               <a:rPr lang="en-US" altLang="zh-CN" dirty="0" smtClean="0"/>
-              <a:t>such </a:t>
-            </a:r>
-            <a:r>
-              <a:rPr lang="en-US" altLang="zh-CN" dirty="0" smtClean="0"/>
-              <a:t>that </a:t>
+              <a:t>such that </a:t>
             </a:r>
             <a:r>
               <a:rPr lang="en-US" altLang="zh-CN" dirty="0" smtClean="0">
@@ -20987,11 +20871,7 @@
           <a:p>
             <a:r>
               <a:rPr lang="en-US" altLang="zh-CN" dirty="0" smtClean="0"/>
-              <a:t>Quasi-convex </a:t>
-            </a:r>
-            <a:r>
-              <a:rPr lang="en-US" altLang="zh-CN" dirty="0" smtClean="0"/>
-              <a:t>Minimization</a:t>
+              <a:t>Quasi-convex Minimization</a:t>
             </a:r>
             <a:endParaRPr lang="zh-CN" altLang="en-US" dirty="0">
               <a:solidFill>
@@ -27140,11 +27020,7 @@
             </a:r>
             <a:r>
               <a:rPr lang="en-US" altLang="zh-CN" dirty="0" smtClean="0"/>
-              <a:t>dditional </a:t>
-            </a:r>
-            <a:r>
-              <a:rPr lang="en-US" altLang="zh-CN" dirty="0" smtClean="0"/>
-              <a:t>Constraints</a:t>
+              <a:t>dditional Constraints</a:t>
             </a:r>
             <a:endParaRPr lang="zh-CN" altLang="en-US" dirty="0"/>
           </a:p>
@@ -29776,15 +29652,7 @@
             </a:r>
             <a:r>
               <a:rPr lang="en-US" altLang="zh-CN" smtClean="0"/>
-              <a:t>done </a:t>
-            </a:r>
-            <a:r>
-              <a:rPr lang="en-US" altLang="zh-CN" smtClean="0"/>
-              <a:t>by </a:t>
-            </a:r>
-            <a:r>
-              <a:rPr lang="en-US" altLang="zh-CN" smtClean="0"/>
-              <a:t>Newton’s </a:t>
+              <a:t>done by Newton’s </a:t>
             </a:r>
             <a:r>
               <a:rPr lang="en-US" altLang="zh-CN" dirty="0" smtClean="0"/>
@@ -31340,7 +31208,12 @@
                 <p:ph idx="1"/>
               </p:nvPr>
             </p:nvSpPr>
-            <p:spPr/>
+            <p:spPr>
+              <a:xfrm>
+                <a:off x="457200" y="1600201"/>
+                <a:ext cx="6563072" cy="4853135"/>
+              </a:xfrm>
+            </p:spPr>
             <p:txBody>
               <a:bodyPr/>
               <a:lstStyle/>
@@ -31621,16 +31494,24 @@
                   <a:buNone/>
                 </a:pPr>
                 <a:r>
-                  <a:rPr lang="en-US" altLang="zh-CN" b="1" dirty="0"/>
+                  <a:rPr lang="en-US" altLang="zh-CN" b="1" dirty="0" smtClean="0"/>
                   <a:t>Note:</a:t>
                 </a:r>
                 <a:r>
-                  <a:rPr lang="en-US" altLang="zh-CN" dirty="0"/>
+                  <a:rPr lang="en-US" altLang="zh-CN" dirty="0" smtClean="0"/>
                   <a:t> </a:t>
                 </a:r>
                 <a:r>
+                  <a:rPr lang="zh-CN" altLang="en-US" dirty="0" smtClean="0"/>
+                  <a:t>👉 </a:t>
+                </a:r>
+                <a:r>
                   <a:rPr lang="en-US" altLang="zh-CN" dirty="0" smtClean="0"/>
-                  <a:t>the parametric </a:t>
+                  <a:t>the </a:t>
+                </a:r>
+                <a:r>
+                  <a:rPr lang="en-US" altLang="zh-CN" dirty="0" smtClean="0"/>
+                  <a:t>parametric </a:t>
                 </a:r>
                 <a:r>
                   <a:rPr lang="en-US" altLang="zh-CN" dirty="0"/>
@@ -31663,10 +31544,14 @@
               </p:nvPr>
             </p:nvSpPr>
             <p:spPr>
+              <a:xfrm>
+                <a:off x="457200" y="1600201"/>
+                <a:ext cx="6563072" cy="4853135"/>
+              </a:xfrm>
               <a:blipFill>
                 <a:blip r:embed="rId2"/>
                 <a:stretch>
-                  <a:fillRect l="-2456" t="-1752" r="-2652"/>
+                  <a:fillRect l="-2321" t="-1633" b="-1759"/>
                 </a:stretch>
               </a:blipFill>
             </p:spPr>
@@ -31745,8 +31630,8 @@
           </a:p>
         </p:txBody>
       </p:sp>
-      <mc:AlternateContent xmlns:mc="http://schemas.openxmlformats.org/markup-compatibility/2006">
-        <mc:Choice xmlns:a14="http://schemas.microsoft.com/office/drawing/2010/main" Requires="a14">
+      <mc:AlternateContent xmlns:mc="http://schemas.openxmlformats.org/markup-compatibility/2006" xmlns:a14="http://schemas.microsoft.com/office/drawing/2010/main">
+        <mc:Choice Requires="a14">
           <p:sp>
             <p:nvSpPr>
               <p:cNvPr id="3" name="内容占位符 2"/>
@@ -31783,11 +31668,7 @@
                 </a:r>
                 <a:r>
                   <a:rPr lang="en-US" altLang="zh-CN" dirty="0" smtClean="0"/>
-                  <a:t>precisely when</a:t>
-                </a:r>
-                <a:r>
-                  <a:rPr lang="en-US" altLang="zh-CN" dirty="0" smtClean="0"/>
-                  <a:t> </a:t>
+                  <a:t>precisely when </a:t>
                 </a:r>
                 <a:r>
                   <a:rPr lang="en-US" altLang="zh-CN" dirty="0"/>
@@ -31931,7 +31812,7 @@
             </p:txBody>
           </p:sp>
         </mc:Choice>
-        <mc:Fallback>
+        <mc:Fallback xmlns="">
           <p:sp>
             <p:nvSpPr>
               <p:cNvPr id="3" name="内容占位符 2"/>
